--- a/DelHivery Delay and Efficiency Analysis.pptx
+++ b/DelHivery Delay and Efficiency Analysis.pptx
@@ -471,7 +471,7 @@
           </c:dLbls>
           <c:cat>
             <c:strRef>
-              <c:f>'Delivery Efficiency (2)'!$A$4:$A$6</c:f>
+              <c:f>'Delivery Efficiency (2)'!$A$4:$A$5</c:f>
               <c:strCache>
                 <c:ptCount val="2"/>
                 <c:pt idx="0">
@@ -485,7 +485,7 @@
           </c:cat>
           <c:val>
             <c:numRef>
-              <c:f>'Delivery Efficiency (2)'!$B$4:$B$6</c:f>
+              <c:f>'Delivery Efficiency (2)'!$B$4:$B$5</c:f>
               <c:numCache>
                 <c:formatCode>0</c:formatCode>
                 <c:ptCount val="2"/>
@@ -792,7 +792,7 @@
     </mc:Fallback>
   </mc:AlternateContent>
   <c:pivotSource>
-    <c:name>[delhivery_data(AutoRecovered).xlsx]Sheet9!PivotTable7</c:name>
+    <c:name>[delhivery_data(AutoRecovered).xlsx]Actual Time vs osrm time!PivotTable7</c:name>
     <c:fmtId val="4"/>
   </c:pivotSource>
   <c:chart>
@@ -1155,7 +1155,7 @@
           <c:order val="0"/>
           <c:tx>
             <c:strRef>
-              <c:f>Sheet9!$B$3</c:f>
+              <c:f>'Actual Time vs osrm time'!$B$3</c:f>
               <c:strCache>
                 <c:ptCount val="1"/>
                 <c:pt idx="0">
@@ -1233,7 +1233,7 @@
           </c:dLbls>
           <c:cat>
             <c:strRef>
-              <c:f>Sheet9!$A$4:$A$5</c:f>
+              <c:f>'Actual Time vs osrm time'!$A$4:$A$5</c:f>
               <c:strCache>
                 <c:ptCount val="2"/>
                 <c:pt idx="0">
@@ -1247,7 +1247,7 @@
           </c:cat>
           <c:val>
             <c:numRef>
-              <c:f>Sheet9!$B$4:$B$5</c:f>
+              <c:f>'Actual Time vs osrm time'!$B$4:$B$5</c:f>
               <c:numCache>
                 <c:formatCode>0.0</c:formatCode>
                 <c:ptCount val="2"/>
@@ -1287,7 +1287,7 @@
           <c:order val="1"/>
           <c:tx>
             <c:strRef>
-              <c:f>Sheet9!$C$3</c:f>
+              <c:f>'Actual Time vs osrm time'!$C$3</c:f>
               <c:strCache>
                 <c:ptCount val="1"/>
                 <c:pt idx="0">
@@ -1367,7 +1367,7 @@
           </c:dLbls>
           <c:cat>
             <c:strRef>
-              <c:f>Sheet9!$A$4:$A$5</c:f>
+              <c:f>'Actual Time vs osrm time'!$A$4:$A$5</c:f>
               <c:strCache>
                 <c:ptCount val="2"/>
                 <c:pt idx="0">
@@ -1381,7 +1381,7 @@
           </c:cat>
           <c:val>
             <c:numRef>
-              <c:f>Sheet9!$C$4:$C$5</c:f>
+              <c:f>'Actual Time vs osrm time'!$C$4:$C$5</c:f>
               <c:numCache>
                 <c:formatCode>0.0</c:formatCode>
                 <c:ptCount val="2"/>
@@ -2235,7 +2235,7 @@
     </mc:Fallback>
   </mc:AlternateContent>
   <c:pivotSource>
-    <c:name>[delhivery_data(AutoRecovered).xlsx]Sheet11!PivotTable9</c:name>
+    <c:name>[delhivery_data(AutoRecovered).xlsx]Distance vs delay!PivotTable9</c:name>
     <c:fmtId val="7"/>
   </c:pivotSource>
   <c:chart>
@@ -2484,7 +2484,7 @@
           <c:order val="0"/>
           <c:tx>
             <c:strRef>
-              <c:f>Sheet11!$B$3</c:f>
+              <c:f>'Distance vs delay'!$B$3</c:f>
               <c:strCache>
                 <c:ptCount val="1"/>
                 <c:pt idx="0">
@@ -2563,7 +2563,7 @@
           </c:dLbls>
           <c:cat>
             <c:strRef>
-              <c:f>Sheet11!$A$4:$A$9</c:f>
+              <c:f>'Distance vs delay'!$A$4:$A$9</c:f>
               <c:strCache>
                 <c:ptCount val="6"/>
                 <c:pt idx="0">
@@ -2589,7 +2589,7 @@
           </c:cat>
           <c:val>
             <c:numRef>
-              <c:f>Sheet11!$B$4:$B$9</c:f>
+              <c:f>'Distance vs delay'!$B$4:$B$9</c:f>
               <c:numCache>
                 <c:formatCode>0.0</c:formatCode>
                 <c:ptCount val="6"/>
@@ -2840,7 +2840,7 @@
           <c:order val="0"/>
           <c:tx>
             <c:strRef>
-              <c:f>Sheet12!$I$13</c:f>
+              <c:f>'Scenario Analysis'!$I$13</c:f>
               <c:strCache>
                 <c:ptCount val="1"/>
                 <c:pt idx="0">
@@ -2919,7 +2919,7 @@
           </c:dLbls>
           <c:cat>
             <c:strRef>
-              <c:f>Sheet12!$H$14:$H$17</c:f>
+              <c:f>'Scenario Analysis'!$H$14:$H$17</c:f>
               <c:strCache>
                 <c:ptCount val="4"/>
                 <c:pt idx="0">
@@ -2939,7 +2939,7 @@
           </c:cat>
           <c:val>
             <c:numRef>
-              <c:f>Sheet12!$I$14:$I$17</c:f>
+              <c:f>'Scenario Analysis'!$I$14:$I$17</c:f>
               <c:numCache>
                 <c:formatCode>General</c:formatCode>
                 <c:ptCount val="4"/>
@@ -12200,7 +12200,7 @@
           <p:nvPr>
             <p:extLst>
               <p:ext uri="{D42A27DB-BD31-4B8C-83A1-F6EECF244321}">
-                <p14:modId xmlns:p14="http://schemas.microsoft.com/office/powerpoint/2010/main" val="2327975433"/>
+                <p14:modId xmlns:p14="http://schemas.microsoft.com/office/powerpoint/2010/main" val="323791535"/>
               </p:ext>
             </p:extLst>
           </p:nvPr>
@@ -13874,7 +13874,7 @@
           <p:nvPr>
             <p:extLst>
               <p:ext uri="{D42A27DB-BD31-4B8C-83A1-F6EECF244321}">
-                <p14:modId xmlns:p14="http://schemas.microsoft.com/office/powerpoint/2010/main" val="2426242926"/>
+                <p14:modId xmlns:p14="http://schemas.microsoft.com/office/powerpoint/2010/main" val="1377162549"/>
               </p:ext>
             </p:extLst>
           </p:nvPr>
@@ -15560,7 +15560,7 @@
             <p:ph sz="half" idx="2"/>
             <p:extLst>
               <p:ext uri="{D42A27DB-BD31-4B8C-83A1-F6EECF244321}">
-                <p14:modId xmlns:p14="http://schemas.microsoft.com/office/powerpoint/2010/main" val="3597311457"/>
+                <p14:modId xmlns:p14="http://schemas.microsoft.com/office/powerpoint/2010/main" val="1515070820"/>
               </p:ext>
             </p:extLst>
           </p:nvPr>
@@ -16394,7 +16394,7 @@
           <p:nvPr>
             <p:extLst>
               <p:ext uri="{D42A27DB-BD31-4B8C-83A1-F6EECF244321}">
-                <p14:modId xmlns:p14="http://schemas.microsoft.com/office/powerpoint/2010/main" val="1225233231"/>
+                <p14:modId xmlns:p14="http://schemas.microsoft.com/office/powerpoint/2010/main" val="1934710187"/>
               </p:ext>
             </p:extLst>
           </p:nvPr>
@@ -16708,7 +16708,7 @@
           <p:nvPr>
             <p:extLst>
               <p:ext uri="{D42A27DB-BD31-4B8C-83A1-F6EECF244321}">
-                <p14:modId xmlns:p14="http://schemas.microsoft.com/office/powerpoint/2010/main" val="2856460233"/>
+                <p14:modId xmlns:p14="http://schemas.microsoft.com/office/powerpoint/2010/main" val="2976931985"/>
               </p:ext>
             </p:extLst>
           </p:nvPr>
